--- a/Lesson3-My First Program/Lesson3-My First Program.pptx
+++ b/Lesson3-My First Program/Lesson3-My First Program.pptx
@@ -3098,7 +3098,7 @@
           <a:p>
             <a:fld id="{1DD4402E-2714-4F60-8F6B-D0DE2235143B}" type="datetimeFigureOut">
               <a:rPr lang="el-GR" smtClean="0"/>
-              <a:t>10/2/2021</a:t>
+              <a:t>1/3/2021</a:t>
             </a:fld>
             <a:endParaRPr lang="el-GR"/>
           </a:p>
@@ -8085,7 +8085,7 @@
           <a:p>
             <a:fld id="{86F0BDD2-2FE9-4947-8A0F-347E40919148}" type="datetimeFigureOut">
               <a:rPr lang="el-GR" smtClean="0"/>
-              <a:t>10/2/2021</a:t>
+              <a:t>1/3/2021</a:t>
             </a:fld>
             <a:endParaRPr lang="el-GR"/>
           </a:p>
@@ -8395,7 +8395,7 @@
             <a:fld id="{86F0BDD2-2FE9-4947-8A0F-347E40919148}" type="datetimeFigureOut">
               <a:rPr lang="el-GR" smtClean="0"/>
               <a:pPr/>
-              <a:t>10/2/2021</a:t>
+              <a:t>1/3/2021</a:t>
             </a:fld>
             <a:endParaRPr lang="el-GR"/>
           </a:p>
@@ -8706,7 +8706,7 @@
           <a:p>
             <a:fld id="{86F0BDD2-2FE9-4947-8A0F-347E40919148}" type="datetimeFigureOut">
               <a:rPr lang="el-GR" smtClean="0"/>
-              <a:t>10/2/2021</a:t>
+              <a:t>1/3/2021</a:t>
             </a:fld>
             <a:endParaRPr lang="el-GR"/>
           </a:p>
@@ -9223,7 +9223,7 @@
             <a:fld id="{86F0BDD2-2FE9-4947-8A0F-347E40919148}" type="datetimeFigureOut">
               <a:rPr lang="el-GR" smtClean="0"/>
               <a:pPr/>
-              <a:t>10/2/2021</a:t>
+              <a:t>1/3/2021</a:t>
             </a:fld>
             <a:endParaRPr lang="el-GR">
               <a:latin typeface="Verdana" panose="020B0604030504040204" pitchFamily="34" charset="0"/>
@@ -9430,7 +9430,7 @@
             <a:fld id="{86F0BDD2-2FE9-4947-8A0F-347E40919148}" type="datetimeFigureOut">
               <a:rPr lang="el-GR" smtClean="0"/>
               <a:pPr/>
-              <a:t>10/2/2021</a:t>
+              <a:t>1/3/2021</a:t>
             </a:fld>
             <a:endParaRPr lang="el-GR" sz="1100"/>
           </a:p>
@@ -9578,7 +9578,7 @@
           <a:p>
             <a:fld id="{86F0BDD2-2FE9-4947-8A0F-347E40919148}" type="datetimeFigureOut">
               <a:rPr lang="el-GR" smtClean="0"/>
-              <a:t>10/2/2021</a:t>
+              <a:t>1/3/2021</a:t>
             </a:fld>
             <a:endParaRPr lang="el-GR"/>
           </a:p>
@@ -9940,7 +9940,7 @@
             <a:fld id="{86F0BDD2-2FE9-4947-8A0F-347E40919148}" type="datetimeFigureOut">
               <a:rPr lang="el-GR" smtClean="0"/>
               <a:pPr/>
-              <a:t>10/2/2021</a:t>
+              <a:t>1/3/2021</a:t>
             </a:fld>
             <a:endParaRPr lang="el-GR">
               <a:latin typeface="Verdana" panose="020B0604030504040204" pitchFamily="34" charset="0"/>
@@ -10291,7 +10291,7 @@
             <a:fld id="{86F0BDD2-2FE9-4947-8A0F-347E40919148}" type="datetimeFigureOut">
               <a:rPr lang="el-GR" smtClean="0"/>
               <a:pPr/>
-              <a:t>10/2/2021</a:t>
+              <a:t>1/3/2021</a:t>
             </a:fld>
             <a:endParaRPr lang="el-GR">
               <a:latin typeface="Verdana" panose="020B0604030504040204" pitchFamily="34" charset="0"/>
@@ -10615,7 +10615,7 @@
             <a:fld id="{86F0BDD2-2FE9-4947-8A0F-347E40919148}" type="datetimeFigureOut">
               <a:rPr lang="el-GR" smtClean="0"/>
               <a:pPr/>
-              <a:t>10/2/2021</a:t>
+              <a:t>1/3/2021</a:t>
             </a:fld>
             <a:endParaRPr lang="el-GR"/>
           </a:p>
@@ -11276,6 +11276,41 @@
           </a:p>
         </p:txBody>
       </p:sp>
+      <p:pic>
+        <p:nvPicPr>
+          <p:cNvPr id="7" name="Εικόνα 6">
+            <a:hlinkClick r:id="rId2"/>
+            <a:extLst>
+              <a:ext uri="{FF2B5EF4-FFF2-40B4-BE49-F238E27FC236}">
+                <a16:creationId xmlns:a16="http://schemas.microsoft.com/office/drawing/2014/main" id="{9E3B1069-3E77-42AD-9E11-EBB2D19A2177}"/>
+              </a:ext>
+            </a:extLst>
+          </p:cNvPr>
+          <p:cNvPicPr/>
+          <p:nvPr/>
+        </p:nvPicPr>
+        <p:blipFill>
+          <a:blip r:embed="rId3">
+            <a:extLst>
+              <a:ext uri="{28A0092B-C50C-407E-A947-70E740481C1C}">
+                <a14:useLocalDpi xmlns:a14="http://schemas.microsoft.com/office/drawing/2010/main" val="0"/>
+              </a:ext>
+            </a:extLst>
+          </a:blip>
+          <a:stretch>
+            <a:fillRect/>
+          </a:stretch>
+        </p:blipFill>
+        <p:spPr>
+          <a:xfrm>
+            <a:off x="167053" y="6458316"/>
+            <a:ext cx="838200" cy="295275"/>
+          </a:xfrm>
+          <a:prstGeom prst="rect">
+            <a:avLst/>
+          </a:prstGeom>
+        </p:spPr>
+      </p:pic>
     </p:spTree>
     <p:extLst>
       <p:ext uri="{BB962C8B-B14F-4D97-AF65-F5344CB8AC3E}">
